--- a/01-What-is-Data-Science.pptx
+++ b/01-What-is-Data-Science.pptx
@@ -224,6 +224,11 @@
       </a:defRPr>
     </a:lvl9pPr>
   </p:defaultTextStyle>
+  <p:extLst>
+    <p:ext uri="{EFAFB233-063F-42B5-8137-9DF3F51BA10A}">
+      <p15:sldGuideLst xmlns:p15="http://schemas.microsoft.com/office/powerpoint/2012/main"/>
+    </p:ext>
+  </p:extLst>
 </p:presentation>
 </file>
 
@@ -558,8 +563,8 @@
         </p:nvSpPr>
         <p:spPr>
           <a:xfrm>
-            <a:off x="381300" y="685800"/>
-            <a:ext cx="6096075" cy="3429000"/>
+            <a:off x="381000" y="685800"/>
+            <a:ext cx="6096000" cy="3429000"/>
           </a:xfrm>
           <a:custGeom>
             <a:avLst/>
@@ -5781,10 +5786,10 @@
               <a:buNone/>
             </a:pPr>
             <a:r>
-              <a:rPr lang="en"/>
-              <a:t>CSC392/CSC310</a:t>
+              <a:rPr lang="en" dirty="0" smtClean="0"/>
+              <a:t>CSC310</a:t>
             </a:r>
-            <a:endParaRPr/>
+            <a:endParaRPr dirty="0"/>
           </a:p>
         </p:txBody>
       </p:sp>
